--- a/ACA/src/ACA201111-05Scoreboarding.pptx
+++ b/ACA/src/ACA201111-05Scoreboarding.pptx
@@ -557,14 +557,14 @@
           <a:bodyPr/>
           <a:p>
             <a:r>
-              <a:rPr lang="" altLang="zh-CN"/>
+              <a:rPr lang="en-US" altLang="zh-CN"/>
               <a:t>FP </a:t>
             </a:r>
             <a:r>
-              <a:rPr lang="zh-CN" altLang=""/>
+              <a:rPr lang="zh-CN" altLang="en-US"/>
               <a:t>浮点数</a:t>
             </a:r>
-            <a:endParaRPr lang="zh-CN" altLang=""/>
+            <a:endParaRPr lang="zh-CN" altLang="en-US"/>
           </a:p>
         </p:txBody>
       </p:sp>
@@ -1153,10 +1153,10 @@
           <a:bodyPr/>
           <a:p>
             <a:r>
-              <a:rPr lang="zh-CN" altLang=""/>
-              <a:t>一拍拆成了两半，前一半写寄存器，后一半写。。。</a:t>
-            </a:r>
-            <a:endParaRPr lang="zh-CN" altLang=""/>
+              <a:rPr lang="zh-CN" altLang="en-US"/>
+              <a:t>上一条指令没有发出，则当前指令不发出？</a:t>
+            </a:r>
+            <a:endParaRPr lang="zh-CN" altLang="en-US"/>
           </a:p>
         </p:txBody>
       </p:sp>
@@ -1202,7 +1202,7 @@
           <a:p>
             <a:r>
               <a:rPr lang="zh-CN" altLang="en-US"/>
-              <a:t>附加计数器，记录乘法的进行情况</a:t>
+              <a:t>一拍拆成了两半，前一半写寄存器，后一半写。。。</a:t>
             </a:r>
             <a:endParaRPr lang="zh-CN" altLang="en-US"/>
           </a:p>
@@ -1249,10 +1249,114 @@
           <a:bodyPr/>
           <a:p>
             <a:r>
+              <a:rPr lang="zh-CN" altLang="en-US"/>
+              <a:t>附加计数器，记录乘法的进行情况</a:t>
+            </a:r>
+            <a:endParaRPr lang="zh-CN" altLang="en-US"/>
+          </a:p>
+        </p:txBody>
+      </p:sp>
+    </p:spTree>
+  </p:cSld>
+  <p:clrMapOvr>
+    <a:masterClrMapping/>
+  </p:clrMapOvr>
+</p:notes>
+</file>
+
+<file path=ppt/notesSlides/notesSlide7.xml><?xml version="1.0" encoding="utf-8"?>
+<p:notes xmlns:a="http://schemas.openxmlformats.org/drawingml/2006/main" xmlns:r="http://schemas.openxmlformats.org/officeDocument/2006/relationships" xmlns:p="http://schemas.openxmlformats.org/presentationml/2006/main">
+  <p:cSld>
+    <p:spTree>
+      <p:nvGrpSpPr>
+        <p:cNvPr id="1" name=""/>
+        <p:cNvGrpSpPr/>
+        <p:nvPr/>
+      </p:nvGrpSpPr>
+      <p:grpSpPr/>
+      <p:sp>
+        <p:nvSpPr>
+          <p:cNvPr id="2" name="幻灯片图像占位符 1"/>
+          <p:cNvSpPr/>
+          <p:nvPr>
+            <p:ph type="sldImg" idx="2"/>
+          </p:nvPr>
+        </p:nvSpPr>
+        <p:spPr/>
+      </p:sp>
+      <p:sp>
+        <p:nvSpPr>
+          <p:cNvPr id="3" name="文本占位符 2"/>
+          <p:cNvSpPr/>
+          <p:nvPr>
+            <p:ph type="body" idx="3"/>
+          </p:nvPr>
+        </p:nvSpPr>
+        <p:spPr/>
+        <p:txBody>
+          <a:bodyPr/>
+          <a:p>
+            <a:r>
+              <a:rPr lang="en-US" altLang="zh-CN"/>
+              <a:t>F</a:t>
+            </a:r>
+            <a:r>
+              <a:rPr lang="" altLang="en-US"/>
+              <a:t>unctional unit add</a:t>
+            </a:r>
+            <a:r>
               <a:rPr lang="zh-CN" altLang=""/>
+              <a:t>只有一个</a:t>
+            </a:r>
+            <a:endParaRPr lang="zh-CN" altLang=""/>
+          </a:p>
+        </p:txBody>
+      </p:sp>
+    </p:spTree>
+  </p:cSld>
+  <p:clrMapOvr>
+    <a:masterClrMapping/>
+  </p:clrMapOvr>
+</p:notes>
+</file>
+
+<file path=ppt/notesSlides/notesSlide8.xml><?xml version="1.0" encoding="utf-8"?>
+<p:notes xmlns:a="http://schemas.openxmlformats.org/drawingml/2006/main" xmlns:r="http://schemas.openxmlformats.org/officeDocument/2006/relationships" xmlns:p="http://schemas.openxmlformats.org/presentationml/2006/main">
+  <p:cSld>
+    <p:spTree>
+      <p:nvGrpSpPr>
+        <p:cNvPr id="1" name=""/>
+        <p:cNvGrpSpPr/>
+        <p:nvPr/>
+      </p:nvGrpSpPr>
+      <p:grpSpPr/>
+      <p:sp>
+        <p:nvSpPr>
+          <p:cNvPr id="2" name="幻灯片图像占位符 1"/>
+          <p:cNvSpPr/>
+          <p:nvPr>
+            <p:ph type="sldImg" idx="2"/>
+          </p:nvPr>
+        </p:nvSpPr>
+        <p:spPr/>
+      </p:sp>
+      <p:sp>
+        <p:nvSpPr>
+          <p:cNvPr id="3" name="文本占位符 2"/>
+          <p:cNvSpPr/>
+          <p:nvPr>
+            <p:ph type="body" idx="3"/>
+          </p:nvPr>
+        </p:nvSpPr>
+        <p:spPr/>
+        <p:txBody>
+          <a:bodyPr/>
+          <a:p>
+            <a:r>
+              <a:rPr lang="zh-CN" altLang="en-US"/>
               <a:t>指令顺序流出，乱序结束</a:t>
             </a:r>
-            <a:endParaRPr lang="zh-CN" altLang=""/>
+            <a:endParaRPr lang="zh-CN" altLang="en-US"/>
           </a:p>
         </p:txBody>
       </p:sp>
